--- a/report/基于ArceOS的分布式文件系统设计.pptx
+++ b/report/基于ArceOS的分布式文件系统设计.pptx
@@ -5,22 +5,22 @@
     <p:sldMasterId id="2147483648" r:id="rId1"/>
   </p:sldMasterIdLst>
   <p:notesMasterIdLst>
-    <p:notesMasterId r:id="rId4"/>
+    <p:notesMasterId r:id="rId9"/>
   </p:notesMasterIdLst>
   <p:handoutMasterIdLst>
-    <p:handoutMasterId r:id="rId11"/>
+    <p:handoutMasterId r:id="rId10"/>
   </p:handoutMasterIdLst>
   <p:sldIdLst>
-    <p:sldId id="256" r:id="rId3"/>
-    <p:sldId id="257" r:id="rId5"/>
-    <p:sldId id="258" r:id="rId6"/>
-    <p:sldId id="259" r:id="rId7"/>
-    <p:sldId id="260" r:id="rId8"/>
-    <p:sldId id="261" r:id="rId9"/>
-    <p:sldId id="262" r:id="rId10"/>
+    <p:sldId id="256" r:id="rId2"/>
+    <p:sldId id="257" r:id="rId3"/>
+    <p:sldId id="258" r:id="rId4"/>
+    <p:sldId id="259" r:id="rId5"/>
+    <p:sldId id="260" r:id="rId6"/>
+    <p:sldId id="261" r:id="rId7"/>
+    <p:sldId id="262" r:id="rId8"/>
   </p:sldIdLst>
   <p:sldSz cx="12192000" cy="6858000"/>
-  <p:notesSz cx="7103745" cy="10234295"/>
+  <p:notesSz cx="7104063" cy="10234613"/>
   <p:defaultTextStyle>
     <a:defPPr>
       <a:defRPr lang="zh-CN"/>
@@ -116,6 +116,22 @@
       </a:defRPr>
     </a:lvl9pPr>
   </p:defaultTextStyle>
+  <p:extLst>
+    <p:ext uri="{EFAFB233-063F-42B5-8137-9DF3F51BA10A}">
+      <p15:sldGuideLst xmlns:p15="http://schemas.microsoft.com/office/powerpoint/2012/main">
+        <p15:guide id="1" orient="horz" pos="2160">
+          <p15:clr>
+            <a:srgbClr val="A4A3A4"/>
+          </p15:clr>
+        </p15:guide>
+        <p15:guide id="2" pos="3861">
+          <p15:clr>
+            <a:srgbClr val="A4A3A4"/>
+          </p15:clr>
+        </p15:guide>
+      </p15:sldGuideLst>
+    </p:ext>
+  </p:extLst>
 </p:presentation>
 </file>
 
@@ -201,6 +217,7 @@
           <a:p>
             <a:fld id="{0F9B84EA-7D68-4D60-9CB1-D50884785D1C}" type="datetimeFigureOut">
               <a:rPr lang="zh-CN" altLang="en-US" smtClean="0"/>
+              <a:t>2023/10/25</a:t>
             </a:fld>
             <a:endParaRPr lang="zh-CN" altLang="en-US"/>
           </a:p>
@@ -266,12 +283,18 @@
           <a:p>
             <a:fld id="{8D4E0FC9-F1F8-4FAE-9988-3BA365CFD46F}" type="slidenum">
               <a:rPr lang="zh-CN" altLang="en-US" smtClean="0"/>
+              <a:t>‹#›</a:t>
             </a:fld>
             <a:endParaRPr lang="zh-CN" altLang="en-US"/>
           </a:p>
         </p:txBody>
       </p:sp>
     </p:spTree>
+    <p:extLst>
+      <p:ext uri="{BB962C8B-B14F-4D97-AF65-F5344CB8AC3E}">
+        <p14:creationId xmlns:p14="http://schemas.microsoft.com/office/powerpoint/2010/main" val="1"/>
+      </p:ext>
+    </p:extLst>
   </p:cSld>
   <p:clrMap bg1="lt1" tx1="dk1" bg2="lt2" tx2="dk2" accent1="accent1" accent2="accent2" accent3="accent3" accent4="accent4" accent5="accent5" accent6="accent6" hlink="hlink" folHlink="folHlink"/>
 </p:handoutMaster>
@@ -359,6 +382,7 @@
           <a:p>
             <a:fld id="{D6C8D182-E4C8-4120-9249-FC9774456FFA}" type="datetimeFigureOut">
               <a:rPr lang="zh-CN" altLang="en-US" smtClean="0"/>
+              <a:t>2023/10/25</a:t>
             </a:fld>
             <a:endParaRPr lang="zh-CN" altLang="en-US"/>
           </a:p>
@@ -425,7 +449,6 @@
               <a:rPr lang="zh-CN" altLang="en-US"/>
               <a:t>编辑母版文本样式</a:t>
             </a:r>
-            <a:endParaRPr lang="zh-CN" altLang="en-US"/>
           </a:p>
           <a:p>
             <a:pPr lvl="1"/>
@@ -433,7 +456,6 @@
               <a:rPr lang="zh-CN" altLang="en-US"/>
               <a:t>第二级</a:t>
             </a:r>
-            <a:endParaRPr lang="zh-CN" altLang="en-US"/>
           </a:p>
           <a:p>
             <a:pPr lvl="2"/>
@@ -441,7 +463,6 @@
               <a:rPr lang="zh-CN" altLang="en-US"/>
               <a:t>第三级</a:t>
             </a:r>
-            <a:endParaRPr lang="zh-CN" altLang="en-US"/>
           </a:p>
           <a:p>
             <a:pPr lvl="3"/>
@@ -449,7 +470,6 @@
               <a:rPr lang="zh-CN" altLang="en-US"/>
               <a:t>第四级</a:t>
             </a:r>
-            <a:endParaRPr lang="zh-CN" altLang="en-US"/>
           </a:p>
           <a:p>
             <a:pPr lvl="4"/>
@@ -457,7 +477,6 @@
               <a:rPr lang="zh-CN" altLang="en-US"/>
               <a:t>第五级</a:t>
             </a:r>
-            <a:endParaRPr lang="zh-CN" altLang="en-US"/>
           </a:p>
         </p:txBody>
       </p:sp>
@@ -521,6 +540,7 @@
           <a:p>
             <a:fld id="{85D0DACE-38E0-42D2-9336-2B707D34BC6D}" type="slidenum">
               <a:rPr lang="zh-CN" altLang="en-US" smtClean="0"/>
+              <a:t>‹#›</a:t>
             </a:fld>
             <a:endParaRPr lang="zh-CN" altLang="en-US"/>
           </a:p>
@@ -689,6 +709,7 @@
           <a:p>
             <a:fld id="{85D0DACE-38E0-42D2-9336-2B707D34BC6D}" type="slidenum">
               <a:rPr lang="zh-CN" altLang="en-US" smtClean="0"/>
+              <a:t>1</a:t>
             </a:fld>
             <a:endParaRPr lang="zh-CN" altLang="en-US"/>
           </a:p>
@@ -772,7 +793,6 @@
               <a:rPr lang="zh-CN" altLang="en-US" dirty="0"/>
               <a:t>单击此处添加标题</a:t>
             </a:r>
-            <a:endParaRPr lang="zh-CN" altLang="en-US" dirty="0"/>
           </a:p>
         </p:txBody>
       </p:sp>
@@ -793,6 +813,7 @@
           <a:p>
             <a:fld id="{760FBDFE-C587-4B4C-A407-44438C67B59E}" type="datetimeFigureOut">
               <a:rPr lang="zh-CN" altLang="en-US" smtClean="0"/>
+              <a:t>2023/10/25</a:t>
             </a:fld>
             <a:endParaRPr lang="zh-CN" altLang="en-US"/>
           </a:p>
@@ -834,6 +855,7 @@
           <a:p>
             <a:fld id="{49AE70B2-8BF9-45C0-BB95-33D1B9D3A854}" type="slidenum">
               <a:rPr lang="zh-CN" altLang="en-US" smtClean="0"/>
+              <a:t>‹#›</a:t>
             </a:fld>
             <a:endParaRPr lang="zh-CN" altLang="en-US"/>
           </a:p>
@@ -912,7 +934,6 @@
               <a:rPr lang="zh-CN" altLang="en-US" dirty="0"/>
               <a:t>单击此处添加副标题</a:t>
             </a:r>
-            <a:endParaRPr lang="zh-CN" altLang="en-US" dirty="0"/>
           </a:p>
         </p:txBody>
       </p:sp>
@@ -958,6 +979,7 @@
           <a:p>
             <a:fld id="{760FBDFE-C587-4B4C-A407-44438C67B59E}" type="datetimeFigureOut">
               <a:rPr lang="zh-CN" altLang="en-US" smtClean="0"/>
+              <a:t>2023/10/25</a:t>
             </a:fld>
             <a:endParaRPr lang="zh-CN" altLang="en-US"/>
           </a:p>
@@ -999,6 +1021,7 @@
           <a:p>
             <a:fld id="{49AE70B2-8BF9-45C0-BB95-33D1B9D3A854}" type="slidenum">
               <a:rPr lang="zh-CN" altLang="en-US" smtClean="0"/>
+              <a:t>‹#›</a:t>
             </a:fld>
             <a:endParaRPr lang="zh-CN" altLang="en-US"/>
           </a:p>
@@ -1029,7 +1052,6 @@
               <a:rPr lang="zh-CN" altLang="en-US" dirty="0"/>
               <a:t>单击此处编辑母版文本样式</a:t>
             </a:r>
-            <a:endParaRPr lang="zh-CN" altLang="en-US" dirty="0"/>
           </a:p>
           <a:p>
             <a:pPr lvl="1"/>
@@ -1037,7 +1059,6 @@
               <a:rPr lang="zh-CN" altLang="en-US" dirty="0"/>
               <a:t>第二级</a:t>
             </a:r>
-            <a:endParaRPr lang="zh-CN" altLang="en-US" dirty="0"/>
           </a:p>
           <a:p>
             <a:pPr lvl="2"/>
@@ -1045,7 +1066,6 @@
               <a:rPr lang="zh-CN" altLang="en-US" dirty="0"/>
               <a:t>第三级</a:t>
             </a:r>
-            <a:endParaRPr lang="zh-CN" altLang="en-US" dirty="0"/>
           </a:p>
           <a:p>
             <a:pPr lvl="3"/>
@@ -1053,7 +1073,6 @@
               <a:rPr lang="zh-CN" altLang="en-US" dirty="0"/>
               <a:t>第四级</a:t>
             </a:r>
-            <a:endParaRPr lang="zh-CN" altLang="en-US" dirty="0"/>
           </a:p>
           <a:p>
             <a:pPr lvl="4"/>
@@ -1061,7 +1080,6 @@
               <a:rPr lang="zh-CN" altLang="en-US" dirty="0"/>
               <a:t>第五级</a:t>
             </a:r>
-            <a:endParaRPr lang="zh-CN" altLang="en-US" dirty="0"/>
           </a:p>
         </p:txBody>
       </p:sp>
@@ -1122,7 +1140,6 @@
               <a:rPr lang="zh-CN" altLang="en-US" dirty="0"/>
               <a:t>单击此处编辑母版标题样式</a:t>
             </a:r>
-            <a:endParaRPr lang="zh-CN" altLang="en-US" dirty="0"/>
           </a:p>
         </p:txBody>
       </p:sp>
@@ -1204,7 +1221,6 @@
               <a:rPr lang="zh-CN" altLang="en-US" dirty="0"/>
               <a:t>单击此处编辑母版文本样式</a:t>
             </a:r>
-            <a:endParaRPr lang="zh-CN" altLang="en-US" dirty="0"/>
           </a:p>
           <a:p>
             <a:pPr lvl="1"/>
@@ -1212,7 +1228,6 @@
               <a:rPr lang="zh-CN" altLang="en-US" dirty="0"/>
               <a:t>第二级</a:t>
             </a:r>
-            <a:endParaRPr lang="zh-CN" altLang="en-US" dirty="0"/>
           </a:p>
           <a:p>
             <a:pPr lvl="2"/>
@@ -1220,7 +1235,6 @@
               <a:rPr lang="zh-CN" altLang="en-US" dirty="0"/>
               <a:t>第三级</a:t>
             </a:r>
-            <a:endParaRPr lang="zh-CN" altLang="en-US" dirty="0"/>
           </a:p>
           <a:p>
             <a:pPr lvl="3"/>
@@ -1228,7 +1242,6 @@
               <a:rPr lang="zh-CN" altLang="en-US" dirty="0"/>
               <a:t>第四级</a:t>
             </a:r>
-            <a:endParaRPr lang="zh-CN" altLang="en-US" dirty="0"/>
           </a:p>
           <a:p>
             <a:pPr lvl="4"/>
@@ -1236,7 +1249,6 @@
               <a:rPr lang="zh-CN" altLang="en-US" dirty="0"/>
               <a:t>第五级</a:t>
             </a:r>
-            <a:endParaRPr lang="zh-CN" altLang="en-US" dirty="0"/>
           </a:p>
         </p:txBody>
       </p:sp>
@@ -1257,6 +1269,7 @@
           <a:p>
             <a:fld id="{760FBDFE-C587-4B4C-A407-44438C67B59E}" type="datetimeFigureOut">
               <a:rPr lang="zh-CN" altLang="en-US" smtClean="0"/>
+              <a:t>2023/10/25</a:t>
             </a:fld>
             <a:endParaRPr lang="zh-CN" altLang="en-US"/>
           </a:p>
@@ -1298,6 +1311,7 @@
           <a:p>
             <a:fld id="{49AE70B2-8BF9-45C0-BB95-33D1B9D3A854}" type="slidenum">
               <a:rPr lang="zh-CN" altLang="en-US" smtClean="0"/>
+              <a:t>‹#›</a:t>
             </a:fld>
             <a:endParaRPr lang="zh-CN" altLang="en-US"/>
           </a:p>
@@ -1360,7 +1374,6 @@
               <a:rPr lang="zh-CN" altLang="en-US" dirty="0"/>
               <a:t>单击此处编辑母版标题样式</a:t>
             </a:r>
-            <a:endParaRPr lang="zh-CN" altLang="en-US" dirty="0"/>
           </a:p>
         </p:txBody>
       </p:sp>
@@ -1483,7 +1496,6 @@
               <a:rPr lang="zh-CN" altLang="en-US" dirty="0"/>
               <a:t>单击此处编辑母版文本样式</a:t>
             </a:r>
-            <a:endParaRPr lang="zh-CN" altLang="en-US" dirty="0"/>
           </a:p>
         </p:txBody>
       </p:sp>
@@ -1504,6 +1516,7 @@
           <a:p>
             <a:fld id="{760FBDFE-C587-4B4C-A407-44438C67B59E}" type="datetimeFigureOut">
               <a:rPr lang="zh-CN" altLang="en-US" smtClean="0"/>
+              <a:t>2023/10/25</a:t>
             </a:fld>
             <a:endParaRPr lang="zh-CN" altLang="en-US"/>
           </a:p>
@@ -1545,6 +1558,7 @@
           <a:p>
             <a:fld id="{49AE70B2-8BF9-45C0-BB95-33D1B9D3A854}" type="slidenum">
               <a:rPr lang="zh-CN" altLang="en-US" smtClean="0"/>
+              <a:t>‹#›</a:t>
             </a:fld>
             <a:endParaRPr lang="zh-CN" altLang="en-US"/>
           </a:p>
@@ -1613,7 +1627,6 @@
               <a:rPr lang="zh-CN" altLang="en-US" dirty="0"/>
               <a:t>单击此处编辑母版标题样式</a:t>
             </a:r>
-            <a:endParaRPr lang="zh-CN" altLang="en-US" dirty="0"/>
           </a:p>
         </p:txBody>
       </p:sp>
@@ -1710,7 +1723,6 @@
               <a:rPr lang="zh-CN" altLang="en-US" dirty="0"/>
               <a:t>单击此处编辑母版文本样式</a:t>
             </a:r>
-            <a:endParaRPr lang="zh-CN" altLang="en-US" dirty="0"/>
           </a:p>
           <a:p>
             <a:pPr lvl="1"/>
@@ -1718,7 +1730,6 @@
               <a:rPr lang="zh-CN" altLang="en-US" dirty="0"/>
               <a:t>第二级</a:t>
             </a:r>
-            <a:endParaRPr lang="zh-CN" altLang="en-US" dirty="0"/>
           </a:p>
           <a:p>
             <a:pPr lvl="2"/>
@@ -1726,7 +1737,6 @@
               <a:rPr lang="zh-CN" altLang="en-US" dirty="0"/>
               <a:t>第三级</a:t>
             </a:r>
-            <a:endParaRPr lang="zh-CN" altLang="en-US" dirty="0"/>
           </a:p>
           <a:p>
             <a:pPr lvl="3"/>
@@ -1734,7 +1744,6 @@
               <a:rPr lang="zh-CN" altLang="en-US" dirty="0"/>
               <a:t>第四级</a:t>
             </a:r>
-            <a:endParaRPr lang="zh-CN" altLang="en-US" dirty="0"/>
           </a:p>
           <a:p>
             <a:pPr lvl="4"/>
@@ -1742,7 +1751,6 @@
               <a:rPr lang="zh-CN" altLang="en-US" dirty="0"/>
               <a:t>第五级</a:t>
             </a:r>
-            <a:endParaRPr lang="zh-CN" altLang="en-US" dirty="0"/>
           </a:p>
         </p:txBody>
       </p:sp>
@@ -1839,7 +1847,6 @@
               <a:rPr lang="zh-CN" altLang="en-US" dirty="0"/>
               <a:t>单击此处编辑母版文本样式</a:t>
             </a:r>
-            <a:endParaRPr lang="zh-CN" altLang="en-US" dirty="0"/>
           </a:p>
           <a:p>
             <a:pPr lvl="1"/>
@@ -1847,7 +1854,6 @@
               <a:rPr lang="zh-CN" altLang="en-US" dirty="0"/>
               <a:t>第二级</a:t>
             </a:r>
-            <a:endParaRPr lang="zh-CN" altLang="en-US" dirty="0"/>
           </a:p>
           <a:p>
             <a:pPr lvl="2"/>
@@ -1855,7 +1861,6 @@
               <a:rPr lang="zh-CN" altLang="en-US" dirty="0"/>
               <a:t>第三级</a:t>
             </a:r>
-            <a:endParaRPr lang="zh-CN" altLang="en-US" dirty="0"/>
           </a:p>
           <a:p>
             <a:pPr lvl="3"/>
@@ -1863,7 +1868,6 @@
               <a:rPr lang="zh-CN" altLang="en-US" dirty="0"/>
               <a:t>第四级</a:t>
             </a:r>
-            <a:endParaRPr lang="zh-CN" altLang="en-US" dirty="0"/>
           </a:p>
           <a:p>
             <a:pPr lvl="4"/>
@@ -1871,7 +1875,6 @@
               <a:rPr lang="zh-CN" altLang="en-US" dirty="0"/>
               <a:t>第五级</a:t>
             </a:r>
-            <a:endParaRPr lang="zh-CN" altLang="en-US" dirty="0"/>
           </a:p>
         </p:txBody>
       </p:sp>
@@ -1892,6 +1895,7 @@
           <a:p>
             <a:fld id="{760FBDFE-C587-4B4C-A407-44438C67B59E}" type="datetimeFigureOut">
               <a:rPr lang="zh-CN" altLang="en-US" smtClean="0"/>
+              <a:t>2023/10/25</a:t>
             </a:fld>
             <a:endParaRPr lang="zh-CN" altLang="en-US"/>
           </a:p>
@@ -1933,6 +1937,7 @@
           <a:p>
             <a:fld id="{49AE70B2-8BF9-45C0-BB95-33D1B9D3A854}" type="slidenum">
               <a:rPr lang="zh-CN" altLang="en-US" smtClean="0"/>
+              <a:t>‹#›</a:t>
             </a:fld>
             <a:endParaRPr lang="zh-CN" altLang="en-US"/>
           </a:p>
@@ -1987,7 +1992,6 @@
               <a:rPr lang="zh-CN" altLang="en-US" dirty="0"/>
               <a:t>单击此处编辑母版标题样式</a:t>
             </a:r>
-            <a:endParaRPr lang="zh-CN" altLang="en-US" dirty="0"/>
           </a:p>
         </p:txBody>
       </p:sp>
@@ -2055,7 +2059,6 @@
               <a:rPr lang="zh-CN" altLang="en-US" dirty="0"/>
               <a:t>单击此处编辑母版文本样式</a:t>
             </a:r>
-            <a:endParaRPr lang="zh-CN" altLang="en-US" dirty="0"/>
           </a:p>
         </p:txBody>
       </p:sp>
@@ -2084,7 +2087,6 @@
               <a:rPr lang="zh-CN" altLang="en-US" dirty="0"/>
               <a:t>单击此处编辑母版文本样式</a:t>
             </a:r>
-            <a:endParaRPr lang="zh-CN" altLang="en-US" dirty="0"/>
           </a:p>
           <a:p>
             <a:pPr lvl="1"/>
@@ -2092,7 +2094,6 @@
               <a:rPr lang="zh-CN" altLang="en-US" dirty="0"/>
               <a:t>第二级</a:t>
             </a:r>
-            <a:endParaRPr lang="zh-CN" altLang="en-US" dirty="0"/>
           </a:p>
           <a:p>
             <a:pPr lvl="2"/>
@@ -2100,7 +2101,6 @@
               <a:rPr lang="zh-CN" altLang="en-US" dirty="0"/>
               <a:t>第三级</a:t>
             </a:r>
-            <a:endParaRPr lang="zh-CN" altLang="en-US" dirty="0"/>
           </a:p>
           <a:p>
             <a:pPr lvl="3"/>
@@ -2108,7 +2108,6 @@
               <a:rPr lang="zh-CN" altLang="en-US" dirty="0"/>
               <a:t>第四级</a:t>
             </a:r>
-            <a:endParaRPr lang="zh-CN" altLang="en-US" dirty="0"/>
           </a:p>
           <a:p>
             <a:pPr lvl="4"/>
@@ -2116,7 +2115,6 @@
               <a:rPr lang="zh-CN" altLang="en-US" dirty="0"/>
               <a:t>第五级</a:t>
             </a:r>
-            <a:endParaRPr lang="zh-CN" altLang="en-US" dirty="0"/>
           </a:p>
         </p:txBody>
       </p:sp>
@@ -2184,7 +2182,6 @@
               <a:rPr lang="zh-CN" altLang="en-US" dirty="0"/>
               <a:t>单击此处编辑母版文本样式</a:t>
             </a:r>
-            <a:endParaRPr lang="zh-CN" altLang="en-US" dirty="0"/>
           </a:p>
         </p:txBody>
       </p:sp>
@@ -2213,7 +2210,6 @@
               <a:rPr lang="zh-CN" altLang="en-US" dirty="0"/>
               <a:t>单击此处编辑母版文本样式</a:t>
             </a:r>
-            <a:endParaRPr lang="zh-CN" altLang="en-US" dirty="0"/>
           </a:p>
           <a:p>
             <a:pPr lvl="1"/>
@@ -2221,7 +2217,6 @@
               <a:rPr lang="zh-CN" altLang="en-US" dirty="0"/>
               <a:t>第二级</a:t>
             </a:r>
-            <a:endParaRPr lang="zh-CN" altLang="en-US" dirty="0"/>
           </a:p>
           <a:p>
             <a:pPr lvl="2"/>
@@ -2229,7 +2224,6 @@
               <a:rPr lang="zh-CN" altLang="en-US" dirty="0"/>
               <a:t>第三级</a:t>
             </a:r>
-            <a:endParaRPr lang="zh-CN" altLang="en-US" dirty="0"/>
           </a:p>
           <a:p>
             <a:pPr lvl="3"/>
@@ -2237,7 +2231,6 @@
               <a:rPr lang="zh-CN" altLang="en-US" dirty="0"/>
               <a:t>第四级</a:t>
             </a:r>
-            <a:endParaRPr lang="zh-CN" altLang="en-US" dirty="0"/>
           </a:p>
           <a:p>
             <a:pPr lvl="4"/>
@@ -2245,7 +2238,6 @@
               <a:rPr lang="zh-CN" altLang="en-US" dirty="0"/>
               <a:t>第五级</a:t>
             </a:r>
-            <a:endParaRPr lang="zh-CN" altLang="en-US" dirty="0"/>
           </a:p>
         </p:txBody>
       </p:sp>
@@ -2266,6 +2258,7 @@
           <a:p>
             <a:fld id="{760FBDFE-C587-4B4C-A407-44438C67B59E}" type="datetimeFigureOut">
               <a:rPr lang="zh-CN" altLang="en-US" smtClean="0"/>
+              <a:t>2023/10/25</a:t>
             </a:fld>
             <a:endParaRPr lang="zh-CN" altLang="en-US"/>
           </a:p>
@@ -2307,6 +2300,7 @@
           <a:p>
             <a:fld id="{49AE70B2-8BF9-45C0-BB95-33D1B9D3A854}" type="slidenum">
               <a:rPr lang="zh-CN" altLang="en-US" smtClean="0"/>
+              <a:t>‹#›</a:t>
             </a:fld>
             <a:endParaRPr lang="zh-CN" altLang="en-US"/>
           </a:p>
@@ -2369,7 +2363,6 @@
               <a:rPr lang="zh-CN" altLang="en-US" dirty="0"/>
               <a:t>单击此处编辑母版标题样式</a:t>
             </a:r>
-            <a:endParaRPr lang="zh-CN" altLang="en-US" dirty="0"/>
           </a:p>
         </p:txBody>
       </p:sp>
@@ -2390,6 +2383,7 @@
           <a:p>
             <a:fld id="{760FBDFE-C587-4B4C-A407-44438C67B59E}" type="datetimeFigureOut">
               <a:rPr lang="zh-CN" altLang="en-US" smtClean="0"/>
+              <a:t>2023/10/25</a:t>
             </a:fld>
             <a:endParaRPr lang="zh-CN" altLang="en-US"/>
           </a:p>
@@ -2431,6 +2425,7 @@
           <a:p>
             <a:fld id="{49AE70B2-8BF9-45C0-BB95-33D1B9D3A854}" type="slidenum">
               <a:rPr lang="zh-CN" altLang="en-US" smtClean="0"/>
+              <a:t>‹#›</a:t>
             </a:fld>
             <a:endParaRPr lang="zh-CN" altLang="en-US"/>
           </a:p>
@@ -2478,6 +2473,7 @@
           <a:p>
             <a:fld id="{760FBDFE-C587-4B4C-A407-44438C67B59E}" type="datetimeFigureOut">
               <a:rPr lang="zh-CN" altLang="en-US" smtClean="0"/>
+              <a:t>2023/10/25</a:t>
             </a:fld>
             <a:endParaRPr lang="zh-CN" altLang="en-US"/>
           </a:p>
@@ -2519,6 +2515,7 @@
           <a:p>
             <a:fld id="{49AE70B2-8BF9-45C0-BB95-33D1B9D3A854}" type="slidenum">
               <a:rPr lang="zh-CN" altLang="en-US" smtClean="0"/>
+              <a:t>‹#›</a:t>
             </a:fld>
             <a:endParaRPr lang="zh-CN" altLang="en-US"/>
           </a:p>
@@ -2581,7 +2578,6 @@
               <a:rPr lang="zh-CN" altLang="en-US" dirty="0"/>
               <a:t>单击此处编辑标题</a:t>
             </a:r>
-            <a:endParaRPr lang="zh-CN" altLang="en-US" dirty="0"/>
           </a:p>
         </p:txBody>
       </p:sp>
@@ -2713,7 +2709,6 @@
               <a:rPr lang="zh-CN" altLang="en-US" dirty="0"/>
               <a:t>单击此处编辑母版文本样式</a:t>
             </a:r>
-            <a:endParaRPr lang="zh-CN" altLang="en-US" dirty="0"/>
           </a:p>
         </p:txBody>
       </p:sp>
@@ -2734,6 +2729,7 @@
           <a:p>
             <a:fld id="{9EFD9D74-47D9-4702-A33C-335B63B48DBF}" type="datetimeFigureOut">
               <a:rPr lang="zh-CN" altLang="en-US" smtClean="0"/>
+              <a:t>2023/10/25</a:t>
             </a:fld>
             <a:endParaRPr lang="zh-CN" altLang="en-US" dirty="0"/>
           </a:p>
@@ -2775,6 +2771,7 @@
           <a:p>
             <a:fld id="{FABC47A4-756D-490B-A52F-7D9E2C9FC05F}" type="slidenum">
               <a:rPr lang="zh-CN" altLang="en-US" smtClean="0"/>
+              <a:t>‹#›</a:t>
             </a:fld>
             <a:endParaRPr lang="zh-CN" altLang="en-US"/>
           </a:p>
@@ -2835,7 +2832,6 @@
               <a:rPr lang="zh-CN" altLang="en-US" dirty="0"/>
               <a:t>单击此处编辑母版标题样式</a:t>
             </a:r>
-            <a:endParaRPr lang="zh-CN" altLang="en-US" dirty="0"/>
           </a:p>
         </p:txBody>
       </p:sp>
@@ -2864,7 +2860,6 @@
               <a:rPr lang="zh-CN" altLang="en-US" dirty="0"/>
               <a:t>单击此处编辑母版文本样式</a:t>
             </a:r>
-            <a:endParaRPr lang="zh-CN" altLang="en-US" dirty="0"/>
           </a:p>
           <a:p>
             <a:pPr lvl="1"/>
@@ -2872,7 +2867,6 @@
               <a:rPr lang="zh-CN" altLang="en-US" dirty="0"/>
               <a:t>第二级</a:t>
             </a:r>
-            <a:endParaRPr lang="zh-CN" altLang="en-US" dirty="0"/>
           </a:p>
           <a:p>
             <a:pPr lvl="2"/>
@@ -2880,7 +2874,6 @@
               <a:rPr lang="zh-CN" altLang="en-US" dirty="0"/>
               <a:t>第三级</a:t>
             </a:r>
-            <a:endParaRPr lang="zh-CN" altLang="en-US" dirty="0"/>
           </a:p>
           <a:p>
             <a:pPr lvl="3"/>
@@ -2888,7 +2881,6 @@
               <a:rPr lang="zh-CN" altLang="en-US" dirty="0"/>
               <a:t>第四级</a:t>
             </a:r>
-            <a:endParaRPr lang="zh-CN" altLang="en-US" dirty="0"/>
           </a:p>
           <a:p>
             <a:pPr lvl="4"/>
@@ -2896,7 +2888,6 @@
               <a:rPr lang="zh-CN" altLang="en-US" dirty="0"/>
               <a:t>第五级</a:t>
             </a:r>
-            <a:endParaRPr lang="zh-CN" altLang="en-US" dirty="0"/>
           </a:p>
         </p:txBody>
       </p:sp>
@@ -2917,6 +2908,7 @@
           <a:p>
             <a:fld id="{760FBDFE-C587-4B4C-A407-44438C67B59E}" type="datetimeFigureOut">
               <a:rPr lang="zh-CN" altLang="en-US" smtClean="0"/>
+              <a:t>2023/10/25</a:t>
             </a:fld>
             <a:endParaRPr lang="zh-CN" altLang="en-US"/>
           </a:p>
@@ -2958,6 +2950,7 @@
           <a:p>
             <a:fld id="{49AE70B2-8BF9-45C0-BB95-33D1B9D3A854}" type="slidenum">
               <a:rPr lang="zh-CN" altLang="en-US" smtClean="0"/>
+              <a:t>‹#›</a:t>
             </a:fld>
             <a:endParaRPr lang="zh-CN" altLang="en-US"/>
           </a:p>
@@ -2977,7 +2970,7 @@
     <p:bg>
       <p:bgPr>
         <a:blipFill rotWithShape="1">
-          <a:blip r:embed="rId11"/>
+          <a:blip r:embed="rId12"/>
           <a:stretch>
             <a:fillRect/>
           </a:stretch>
@@ -3028,7 +3021,6 @@
               <a:rPr lang="zh-CN" altLang="en-US" dirty="0"/>
               <a:t>单击此处编辑母版标题样式</a:t>
             </a:r>
-            <a:endParaRPr lang="zh-CN" altLang="en-US" dirty="0"/>
           </a:p>
         </p:txBody>
       </p:sp>
@@ -3062,7 +3054,6 @@
               <a:rPr lang="zh-CN" altLang="en-US" dirty="0"/>
               <a:t>单击此处编辑母版文本样式</a:t>
             </a:r>
-            <a:endParaRPr lang="zh-CN" altLang="en-US" dirty="0"/>
           </a:p>
           <a:p>
             <a:pPr lvl="1"/>
@@ -3070,7 +3061,6 @@
               <a:rPr lang="zh-CN" altLang="en-US" dirty="0"/>
               <a:t>第二级</a:t>
             </a:r>
-            <a:endParaRPr lang="zh-CN" altLang="en-US" dirty="0"/>
           </a:p>
           <a:p>
             <a:pPr lvl="2"/>
@@ -3078,7 +3068,6 @@
               <a:rPr lang="zh-CN" altLang="en-US" dirty="0"/>
               <a:t>第三级</a:t>
             </a:r>
-            <a:endParaRPr lang="zh-CN" altLang="en-US" dirty="0"/>
           </a:p>
           <a:p>
             <a:pPr lvl="3"/>
@@ -3086,7 +3075,6 @@
               <a:rPr lang="zh-CN" altLang="en-US" dirty="0"/>
               <a:t>第四级</a:t>
             </a:r>
-            <a:endParaRPr lang="zh-CN" altLang="en-US" dirty="0"/>
           </a:p>
           <a:p>
             <a:pPr lvl="4"/>
@@ -3094,7 +3082,6 @@
               <a:rPr lang="zh-CN" altLang="en-US" dirty="0"/>
               <a:t>第五级</a:t>
             </a:r>
-            <a:endParaRPr lang="zh-CN" altLang="en-US" dirty="0"/>
           </a:p>
         </p:txBody>
       </p:sp>
@@ -3135,6 +3122,7 @@
           <a:p>
             <a:fld id="{760FBDFE-C587-4B4C-A407-44438C67B59E}" type="datetimeFigureOut">
               <a:rPr lang="zh-CN" altLang="en-US" smtClean="0"/>
+              <a:t>2023/10/25</a:t>
             </a:fld>
             <a:endParaRPr lang="zh-CN" altLang="en-US" dirty="0"/>
           </a:p>
@@ -3216,6 +3204,7 @@
           <a:p>
             <a:fld id="{49AE70B2-8BF9-45C0-BB95-33D1B9D3A854}" type="slidenum">
               <a:rPr lang="zh-CN" altLang="en-US" smtClean="0"/>
+              <a:t>‹#›</a:t>
             </a:fld>
             <a:endParaRPr lang="zh-CN" altLang="en-US"/>
           </a:p>
@@ -3593,17 +3582,8 @@
               <a:rPr lang="zh-CN" altLang="en-US" dirty="0">
                 <a:effectLst/>
               </a:rPr>
-              <a:t>的分布式文件系统</a:t>
-            </a:r>
-            <a:r>
-              <a:rPr lang="zh-CN" altLang="en-US" dirty="0">
-                <a:effectLst/>
-              </a:rPr>
-              <a:t>设计</a:t>
-            </a:r>
-            <a:endParaRPr lang="zh-CN" altLang="en-US" dirty="0">
-              <a:effectLst/>
-            </a:endParaRPr>
+              <a:t>的分布式文件系统设计</a:t>
+            </a:r>
           </a:p>
         </p:txBody>
       </p:sp>
@@ -3631,17 +3611,8 @@
               <a:rPr lang="zh-CN" altLang="en-US" dirty="0">
                 <a:latin typeface="+mn-lt"/>
               </a:rPr>
-              <a:t>周智、</a:t>
-            </a:r>
-            <a:r>
-              <a:rPr lang="zh-CN" altLang="en-US" dirty="0">
-                <a:latin typeface="+mn-lt"/>
-              </a:rPr>
-              <a:t>吴宸昊</a:t>
-            </a:r>
-            <a:endParaRPr lang="zh-CN" altLang="en-US" dirty="0">
-              <a:latin typeface="+mn-lt"/>
-            </a:endParaRPr>
+              <a:t>周智、吴宸昊</a:t>
+            </a:r>
           </a:p>
         </p:txBody>
       </p:sp>
@@ -3662,7 +3633,14 @@
         <p:cNvGrpSpPr/>
         <p:nvPr/>
       </p:nvGrpSpPr>
-      <p:grpSpPr/>
+      <p:grpSpPr>
+        <a:xfrm>
+          <a:off x="0" y="0"/>
+          <a:ext cx="0" cy="0"/>
+          <a:chOff x="0" y="0"/>
+          <a:chExt cx="0" cy="0"/>
+        </a:xfrm>
+      </p:grpSpPr>
       <p:sp>
         <p:nvSpPr>
           <p:cNvPr id="2" name="标题 1"/>
@@ -3676,16 +3654,12 @@
         <p:spPr/>
         <p:txBody>
           <a:bodyPr/>
+          <a:lstStyle/>
           <a:p>
             <a:r>
               <a:rPr lang="zh-CN" altLang="en-US"/>
-              <a:t>分布式</a:t>
-            </a:r>
-            <a:r>
-              <a:rPr lang="zh-CN" altLang="en-US"/>
-              <a:t>文件系统？</a:t>
-            </a:r>
-            <a:endParaRPr lang="zh-CN" altLang="en-US"/>
+              <a:t>分布式文件系统？</a:t>
+            </a:r>
           </a:p>
         </p:txBody>
       </p:sp>
@@ -3702,48 +3676,33 @@
         <p:spPr/>
         <p:txBody>
           <a:bodyPr/>
+          <a:lstStyle/>
           <a:p>
             <a:r>
               <a:rPr lang="zh-CN" altLang="en-US"/>
               <a:t>分布式文件系统（Distributed File System）是一种计算机文件系统，它允许多台计算机之间共享和管理文件。</a:t>
             </a:r>
+          </a:p>
+          <a:p>
             <a:endParaRPr lang="zh-CN" altLang="en-US"/>
           </a:p>
           <a:p>
-            <a:endParaRPr lang="zh-CN" altLang="en-US"/>
-          </a:p>
-          <a:p>
             <a:r>
               <a:rPr lang="zh-CN" altLang="en-US"/>
-              <a:t>数据拓展性：允许文件存储在多台计算机</a:t>
-            </a:r>
+              <a:t>数据拓展性：允许文件存储在多台计算机上</a:t>
+            </a:r>
+          </a:p>
+          <a:p>
             <a:r>
               <a:rPr lang="zh-CN" altLang="en-US"/>
-              <a:t>上</a:t>
-            </a:r>
-            <a:endParaRPr lang="zh-CN" altLang="en-US"/>
+              <a:t>数据共享</a:t>
+            </a:r>
           </a:p>
           <a:p>
             <a:r>
               <a:rPr lang="zh-CN" altLang="en-US"/>
-              <a:t>数据</a:t>
-            </a:r>
-            <a:r>
-              <a:rPr lang="zh-CN" altLang="en-US"/>
-              <a:t>共享</a:t>
-            </a:r>
-            <a:endParaRPr lang="zh-CN" altLang="en-US"/>
-          </a:p>
-          <a:p>
-            <a:r>
-              <a:rPr lang="zh-CN" altLang="en-US"/>
-              <a:t>性能提升：允许并行读取与</a:t>
-            </a:r>
-            <a:r>
-              <a:rPr lang="zh-CN" altLang="en-US"/>
-              <a:t>写入</a:t>
-            </a:r>
-            <a:endParaRPr lang="zh-CN" altLang="en-US"/>
+              <a:t>性能提升：允许并行读取与写入</a:t>
+            </a:r>
           </a:p>
           <a:p>
             <a:endParaRPr lang="zh-CN" altLang="en-US"/>
@@ -3770,7 +3729,14 @@
         <p:cNvGrpSpPr/>
         <p:nvPr/>
       </p:nvGrpSpPr>
-      <p:grpSpPr/>
+      <p:grpSpPr>
+        <a:xfrm>
+          <a:off x="0" y="0"/>
+          <a:ext cx="0" cy="0"/>
+          <a:chOff x="0" y="0"/>
+          <a:chExt cx="0" cy="0"/>
+        </a:xfrm>
+      </p:grpSpPr>
       <p:sp>
         <p:nvSpPr>
           <p:cNvPr id="2" name="标题 1"/>
@@ -3784,16 +3750,12 @@
         <p:spPr/>
         <p:txBody>
           <a:bodyPr/>
+          <a:lstStyle/>
           <a:p>
             <a:r>
               <a:rPr lang="zh-CN" altLang="en-US"/>
-              <a:t>现存的分布式</a:t>
-            </a:r>
-            <a:r>
-              <a:rPr lang="zh-CN" altLang="en-US"/>
-              <a:t>文件系统</a:t>
-            </a:r>
-            <a:endParaRPr lang="zh-CN" altLang="en-US"/>
+              <a:t>现存的分布式文件系统</a:t>
+            </a:r>
           </a:p>
         </p:txBody>
       </p:sp>
@@ -3815,12 +3777,12 @@
         </p:spPr>
         <p:txBody>
           <a:bodyPr/>
+          <a:lstStyle/>
           <a:p>
             <a:r>
               <a:rPr lang="zh-CN" altLang="en-US"/>
               <a:t>NFS (Network File System):</a:t>
             </a:r>
-            <a:endParaRPr lang="zh-CN" altLang="en-US"/>
           </a:p>
           <a:p>
             <a:pPr lvl="1"/>
@@ -3828,7 +3790,6 @@
               <a:rPr lang="en-US" altLang="zh-CN"/>
               <a:t>最初是一种分布式文件系统协议，用于在UNIX系统之间共享文件</a:t>
             </a:r>
-            <a:endParaRPr lang="en-US" altLang="zh-CN"/>
           </a:p>
           <a:p>
             <a:pPr lvl="1"/>
@@ -3836,7 +3797,6 @@
               <a:rPr lang="en-US" altLang="zh-CN"/>
               <a:t>提供简单的文件共享</a:t>
             </a:r>
-            <a:endParaRPr lang="en-US" altLang="zh-CN"/>
           </a:p>
           <a:p>
             <a:pPr lvl="1"/>
@@ -3848,7 +3808,6 @@
               <a:rPr lang="en-US" altLang="zh-CN"/>
               <a:t>Hadoop HDFS (Hadoop Distributed File System)</a:t>
             </a:r>
-            <a:endParaRPr lang="en-US" altLang="zh-CN"/>
           </a:p>
           <a:p>
             <a:pPr lvl="1"/>
@@ -3856,7 +3815,6 @@
               <a:rPr lang="en-US" altLang="zh-CN"/>
               <a:t>数据冗余和容错性，通过数据块复制来提高可靠性</a:t>
             </a:r>
-            <a:endParaRPr lang="en-US" altLang="zh-CN"/>
           </a:p>
           <a:p>
             <a:pPr lvl="1"/>
@@ -3864,7 +3822,6 @@
               <a:rPr lang="en-US" altLang="zh-CN"/>
               <a:t>适用于大规模集群，具有高度的可伸缩性</a:t>
             </a:r>
-            <a:endParaRPr lang="en-US" altLang="zh-CN"/>
           </a:p>
         </p:txBody>
       </p:sp>
@@ -3885,7 +3842,14 @@
         <p:cNvGrpSpPr/>
         <p:nvPr/>
       </p:nvGrpSpPr>
-      <p:grpSpPr/>
+      <p:grpSpPr>
+        <a:xfrm>
+          <a:off x="0" y="0"/>
+          <a:ext cx="0" cy="0"/>
+          <a:chOff x="0" y="0"/>
+          <a:chExt cx="0" cy="0"/>
+        </a:xfrm>
+      </p:grpSpPr>
       <p:sp>
         <p:nvSpPr>
           <p:cNvPr id="2" name="标题 1"/>
@@ -3899,6 +3863,7 @@
         <p:spPr/>
         <p:txBody>
           <a:bodyPr/>
+          <a:lstStyle/>
           <a:p>
             <a:r>
               <a:rPr lang="en-US" altLang="zh-CN"/>
@@ -3906,13 +3871,8 @@
             </a:r>
             <a:r>
               <a:rPr lang="zh-CN" altLang="en-US"/>
-              <a:t>的</a:t>
-            </a:r>
-            <a:r>
-              <a:rPr lang="zh-CN" altLang="en-US"/>
-              <a:t>文件系统</a:t>
-            </a:r>
-            <a:endParaRPr lang="zh-CN" altLang="en-US"/>
+              <a:t>的文件系统</a:t>
+            </a:r>
           </a:p>
         </p:txBody>
       </p:sp>
@@ -3936,6 +3896,7 @@
           <a:bodyPr>
             <a:normAutofit fontScale="90000" lnSpcReduction="10000"/>
           </a:bodyPr>
+          <a:lstStyle/>
           <a:p>
             <a:r>
               <a:rPr lang="en-US" altLang="zh-CN"/>
@@ -3953,7 +3914,6 @@
               <a:rPr lang="zh-CN" altLang="en-US"/>
               <a:t>型文件系统</a:t>
             </a:r>
-            <a:endParaRPr lang="zh-CN" altLang="en-US"/>
           </a:p>
           <a:p>
             <a:r>
@@ -3980,7 +3940,6 @@
               <a:rPr lang="zh-CN" altLang="en-US"/>
               <a:t>文件系统</a:t>
             </a:r>
-            <a:endParaRPr lang="zh-CN" altLang="en-US"/>
           </a:p>
           <a:p>
             <a:r>
@@ -4004,11 +3963,7 @@
           <a:p>
             <a:r>
               <a:rPr lang="zh-CN" altLang="en-US"/>
-              <a:t>要实现一个自</a:t>
-            </a:r>
-            <a:r>
-              <a:rPr lang="zh-CN" altLang="en-US"/>
-              <a:t>定义的</a:t>
+              <a:t>要实现一个自定义的</a:t>
             </a:r>
             <a:r>
               <a:rPr lang="en-US" altLang="zh-CN"/>
@@ -4018,51 +3973,44 @@
               <a:rPr lang="zh-CN" altLang="en-US"/>
               <a:t>，我们需要：</a:t>
             </a:r>
+          </a:p>
+          <a:p>
+            <a:pPr lvl="1"/>
+            <a:r>
+              <a:rPr lang="zh-CN" altLang="en-US"/>
+              <a:t>为自定义文件系统DistFileSystem实现文件系统操作；</a:t>
+            </a:r>
+          </a:p>
+          <a:p>
+            <a:pPr lvl="2"/>
+            <a:r>
+              <a:rPr lang="en-US" altLang="zh-CN"/>
+              <a:t>root_dir, mount, umount</a:t>
+            </a:r>
             <a:endParaRPr lang="zh-CN" altLang="en-US"/>
           </a:p>
           <a:p>
             <a:pPr lvl="1"/>
             <a:r>
               <a:rPr lang="zh-CN" altLang="en-US"/>
-              <a:t>为自定义文件系统DistFileSystem实现文件系统</a:t>
+              <a:t>为自定义文件系统节点</a:t>
+            </a:r>
+            <a:r>
+              <a:rPr lang="en-US" altLang="zh-CN"/>
+              <a:t>NodeWrapper</a:t>
+            </a:r>
+            <a:r>
+              <a:rPr lang="zh-CN" altLang="en-US"/>
+              <a:t>实现文件系统</a:t>
+            </a:r>
+            <a:r>
+              <a:rPr lang="en-US" altLang="zh-CN"/>
+              <a:t>Node</a:t>
             </a:r>
             <a:r>
               <a:rPr lang="zh-CN" altLang="en-US"/>
               <a:t>操作；</a:t>
             </a:r>
-            <a:endParaRPr lang="zh-CN" altLang="en-US"/>
-          </a:p>
-          <a:p>
-            <a:pPr lvl="2"/>
-            <a:r>
-              <a:rPr lang="en-US" altLang="zh-CN"/>
-              <a:t>root_dir, mount, umount</a:t>
-            </a:r>
-            <a:endParaRPr lang="zh-CN" altLang="en-US"/>
-          </a:p>
-          <a:p>
-            <a:pPr lvl="1"/>
-            <a:r>
-              <a:rPr lang="zh-CN" altLang="en-US"/>
-              <a:t>为自定义文件系统节点</a:t>
-            </a:r>
-            <a:r>
-              <a:rPr lang="en-US" altLang="zh-CN"/>
-              <a:t>NodeWrapper</a:t>
-            </a:r>
-            <a:r>
-              <a:rPr lang="zh-CN" altLang="en-US"/>
-              <a:t>实现文件系统</a:t>
-            </a:r>
-            <a:r>
-              <a:rPr lang="en-US" altLang="zh-CN"/>
-              <a:t>Node</a:t>
-            </a:r>
-            <a:r>
-              <a:rPr lang="zh-CN" altLang="en-US"/>
-              <a:t>操作；</a:t>
-            </a:r>
-            <a:endParaRPr lang="zh-CN" altLang="en-US"/>
           </a:p>
           <a:p>
             <a:pPr lvl="2"/>
@@ -4090,7 +4038,7 @@
           <p:nvPr/>
         </p:nvPicPr>
         <p:blipFill>
-          <a:blip r:embed="rId1"/>
+          <a:blip r:embed="rId2"/>
           <a:stretch>
             <a:fillRect/>
           </a:stretch>
@@ -4122,7 +4070,14 @@
         <p:cNvGrpSpPr/>
         <p:nvPr/>
       </p:nvGrpSpPr>
-      <p:grpSpPr/>
+      <p:grpSpPr>
+        <a:xfrm>
+          <a:off x="0" y="0"/>
+          <a:ext cx="0" cy="0"/>
+          <a:chOff x="0" y="0"/>
+          <a:chExt cx="0" cy="0"/>
+        </a:xfrm>
+      </p:grpSpPr>
       <p:sp>
         <p:nvSpPr>
           <p:cNvPr id="2" name="标题 1"/>
@@ -4138,20 +4093,12 @@
           <a:bodyPr>
             <a:normAutofit/>
           </a:bodyPr>
+          <a:lstStyle/>
           <a:p>
             <a:r>
               <a:rPr lang="zh-CN" altLang="en-US"/>
-              <a:t>我们</a:t>
-            </a:r>
-            <a:r>
-              <a:rPr lang="zh-CN" altLang="en-US"/>
-              <a:t>要实现的分布式</a:t>
-            </a:r>
-            <a:r>
-              <a:rPr lang="zh-CN" altLang="en-US"/>
-              <a:t>文件系统</a:t>
-            </a:r>
-            <a:endParaRPr lang="zh-CN" altLang="en-US"/>
+              <a:t>我们要实现的分布式文件系统</a:t>
+            </a:r>
           </a:p>
         </p:txBody>
       </p:sp>
@@ -4168,16 +4115,12 @@
         <p:spPr/>
         <p:txBody>
           <a:bodyPr/>
+          <a:lstStyle/>
           <a:p>
             <a:r>
               <a:rPr lang="en-US" altLang="zh-CN"/>
-              <a:t>1 </a:t>
-            </a:r>
-            <a:r>
-              <a:rPr lang="en-US" altLang="zh-CN"/>
-              <a:t>host &amp; n clients</a:t>
-            </a:r>
-            <a:endParaRPr lang="en-US" altLang="zh-CN"/>
+              <a:t>1 host &amp; n clients</a:t>
+            </a:r>
           </a:p>
           <a:p>
             <a:r>
@@ -4196,7 +4139,6 @@
               <a:rPr lang="zh-CN" altLang="en-US"/>
               <a:t>连接</a:t>
             </a:r>
-            <a:endParaRPr lang="zh-CN" altLang="en-US"/>
           </a:p>
           <a:p>
             <a:r>
@@ -4215,7 +4157,6 @@
               <a:rPr lang="en-US" altLang="zh-CN"/>
               <a:t>client</a:t>
             </a:r>
-            <a:endParaRPr lang="en-US" altLang="zh-CN"/>
           </a:p>
           <a:p>
             <a:endParaRPr lang="en-US" altLang="zh-CN"/>
@@ -4230,7 +4171,7 @@
         </p:nvSpPr>
         <p:spPr>
           <a:xfrm>
-            <a:off x="2675890" y="3611245"/>
+            <a:off x="1028700" y="3617824"/>
             <a:ext cx="6978015" cy="2849880"/>
           </a:xfrm>
           <a:prstGeom prst="rect">
@@ -4260,6 +4201,7 @@
         </p:style>
         <p:txBody>
           <a:bodyPr rtlCol="0" anchor="ctr"/>
+          <a:lstStyle/>
           <a:p>
             <a:pPr algn="ctr"/>
             <a:endParaRPr lang="zh-CN" altLang="en-US"/>
@@ -4274,7 +4216,7 @@
         </p:nvSpPr>
         <p:spPr>
           <a:xfrm>
-            <a:off x="3162300" y="5097145"/>
+            <a:off x="1515110" y="5103724"/>
             <a:ext cx="1581785" cy="920750"/>
           </a:xfrm>
           <a:prstGeom prst="rect">
@@ -4305,6 +4247,7 @@
         </p:style>
         <p:txBody>
           <a:bodyPr rtlCol="0" anchor="ctr"/>
+          <a:lstStyle/>
           <a:p>
             <a:pPr algn="ctr"/>
             <a:endParaRPr lang="zh-CN" altLang="en-US"/>
@@ -4319,7 +4262,7 @@
         </p:nvSpPr>
         <p:spPr>
           <a:xfrm>
-            <a:off x="5366385" y="5097145"/>
+            <a:off x="3719195" y="5103724"/>
             <a:ext cx="1581785" cy="920750"/>
           </a:xfrm>
           <a:prstGeom prst="rect">
@@ -4350,6 +4293,7 @@
         </p:style>
         <p:txBody>
           <a:bodyPr rtlCol="0" anchor="ctr"/>
+          <a:lstStyle/>
           <a:p>
             <a:pPr algn="ctr"/>
             <a:endParaRPr lang="zh-CN" altLang="en-US"/>
@@ -4364,7 +4308,7 @@
         </p:nvSpPr>
         <p:spPr>
           <a:xfrm>
-            <a:off x="7570470" y="5097145"/>
+            <a:off x="5923280" y="5103724"/>
             <a:ext cx="1581785" cy="920750"/>
           </a:xfrm>
           <a:prstGeom prst="rect">
@@ -4395,6 +4339,7 @@
         </p:style>
         <p:txBody>
           <a:bodyPr rtlCol="0" anchor="ctr"/>
+          <a:lstStyle/>
           <a:p>
             <a:pPr algn="ctr"/>
             <a:endParaRPr lang="zh-CN" altLang="en-US"/>
@@ -4409,7 +4354,7 @@
         </p:nvSpPr>
         <p:spPr>
           <a:xfrm>
-            <a:off x="3162300" y="5097145"/>
+            <a:off x="1515110" y="5103724"/>
             <a:ext cx="762635" cy="368300"/>
           </a:xfrm>
           <a:prstGeom prst="rect">
@@ -4421,12 +4366,12 @@
           <a:bodyPr wrap="none" rtlCol="0">
             <a:spAutoFit/>
           </a:bodyPr>
+          <a:lstStyle/>
           <a:p>
             <a:r>
               <a:rPr lang="en-US" altLang="zh-CN"/>
               <a:t>qemu</a:t>
             </a:r>
-            <a:endParaRPr lang="en-US" altLang="zh-CN"/>
           </a:p>
         </p:txBody>
       </p:sp>
@@ -4438,7 +4383,7 @@
         </p:nvSpPr>
         <p:spPr>
           <a:xfrm>
-            <a:off x="5366385" y="5097145"/>
+            <a:off x="3719195" y="5103724"/>
             <a:ext cx="762635" cy="368300"/>
           </a:xfrm>
           <a:prstGeom prst="rect">
@@ -4450,12 +4395,12 @@
           <a:bodyPr wrap="none" rtlCol="0">
             <a:spAutoFit/>
           </a:bodyPr>
+          <a:lstStyle/>
           <a:p>
             <a:r>
               <a:rPr lang="en-US" altLang="zh-CN"/>
               <a:t>qemu</a:t>
             </a:r>
-            <a:endParaRPr lang="en-US" altLang="zh-CN"/>
           </a:p>
         </p:txBody>
       </p:sp>
@@ -4467,7 +4412,7 @@
         </p:nvSpPr>
         <p:spPr>
           <a:xfrm>
-            <a:off x="7570470" y="5097145"/>
+            <a:off x="5923280" y="5103724"/>
             <a:ext cx="762635" cy="368300"/>
           </a:xfrm>
           <a:prstGeom prst="rect">
@@ -4479,12 +4424,12 @@
           <a:bodyPr wrap="none" rtlCol="0">
             <a:spAutoFit/>
           </a:bodyPr>
+          <a:lstStyle/>
           <a:p>
             <a:r>
               <a:rPr lang="en-US" altLang="zh-CN"/>
               <a:t>qemu</a:t>
             </a:r>
-            <a:endParaRPr lang="en-US" altLang="zh-CN"/>
           </a:p>
         </p:txBody>
       </p:sp>
@@ -4496,7 +4441,7 @@
         </p:nvSpPr>
         <p:spPr>
           <a:xfrm>
-            <a:off x="2816225" y="3771265"/>
+            <a:off x="1169035" y="3777844"/>
             <a:ext cx="1583690" cy="368300"/>
           </a:xfrm>
           <a:prstGeom prst="rect">
@@ -4508,12 +4453,12 @@
           <a:bodyPr wrap="none" rtlCol="0">
             <a:spAutoFit/>
           </a:bodyPr>
+          <a:lstStyle/>
           <a:p>
             <a:r>
               <a:rPr lang="en-US" altLang="zh-CN"/>
               <a:t>host-machine</a:t>
             </a:r>
-            <a:endParaRPr lang="en-US" altLang="zh-CN"/>
           </a:p>
         </p:txBody>
       </p:sp>
@@ -4525,7 +4470,7 @@
         </p:nvSpPr>
         <p:spPr>
           <a:xfrm>
-            <a:off x="4047490" y="5465445"/>
+            <a:off x="2400300" y="5472024"/>
             <a:ext cx="437515" cy="461645"/>
           </a:xfrm>
           <a:prstGeom prst="ellipse">
@@ -4550,6 +4495,7 @@
         </p:style>
         <p:txBody>
           <a:bodyPr rtlCol="0" anchor="ctr"/>
+          <a:lstStyle/>
           <a:p>
             <a:pPr algn="ctr"/>
             <a:endParaRPr lang="zh-CN" altLang="en-US"/>
@@ -4564,7 +4510,7 @@
         </p:nvSpPr>
         <p:spPr>
           <a:xfrm>
-            <a:off x="6423660" y="5465445"/>
+            <a:off x="4776470" y="5472024"/>
             <a:ext cx="437515" cy="461645"/>
           </a:xfrm>
           <a:prstGeom prst="ellipse">
@@ -4589,6 +4535,7 @@
         </p:style>
         <p:txBody>
           <a:bodyPr rtlCol="0" anchor="ctr"/>
+          <a:lstStyle/>
           <a:p>
             <a:pPr algn="ctr"/>
             <a:endParaRPr lang="zh-CN" altLang="en-US"/>
@@ -4603,7 +4550,7 @@
         </p:nvSpPr>
         <p:spPr>
           <a:xfrm>
-            <a:off x="8625205" y="5465445"/>
+            <a:off x="6978015" y="5472024"/>
             <a:ext cx="437515" cy="461645"/>
           </a:xfrm>
           <a:prstGeom prst="ellipse">
@@ -4628,6 +4575,7 @@
         </p:style>
         <p:txBody>
           <a:bodyPr rtlCol="0" anchor="ctr"/>
+          <a:lstStyle/>
           <a:p>
             <a:pPr algn="ctr"/>
             <a:endParaRPr lang="zh-CN" altLang="en-US"/>
@@ -4642,7 +4590,7 @@
         </p:nvSpPr>
         <p:spPr>
           <a:xfrm>
-            <a:off x="3830320" y="5512435"/>
+            <a:off x="2183130" y="5519014"/>
             <a:ext cx="974090" cy="368300"/>
           </a:xfrm>
           <a:prstGeom prst="rect">
@@ -4654,12 +4602,12 @@
           <a:bodyPr wrap="none" rtlCol="0">
             <a:spAutoFit/>
           </a:bodyPr>
+          <a:lstStyle/>
           <a:p>
             <a:r>
               <a:rPr lang="en-US" altLang="zh-CN"/>
               <a:t>ArceOS</a:t>
             </a:r>
-            <a:endParaRPr lang="en-US" altLang="zh-CN"/>
           </a:p>
         </p:txBody>
       </p:sp>
@@ -4671,7 +4619,7 @@
         </p:nvSpPr>
         <p:spPr>
           <a:xfrm>
-            <a:off x="6129020" y="5511800"/>
+            <a:off x="4481830" y="5518379"/>
             <a:ext cx="974090" cy="368300"/>
           </a:xfrm>
           <a:prstGeom prst="rect">
@@ -4683,12 +4631,12 @@
           <a:bodyPr wrap="none" rtlCol="0">
             <a:spAutoFit/>
           </a:bodyPr>
+          <a:lstStyle/>
           <a:p>
             <a:r>
               <a:rPr lang="en-US" altLang="zh-CN"/>
               <a:t>ArceOS</a:t>
             </a:r>
-            <a:endParaRPr lang="en-US" altLang="zh-CN"/>
           </a:p>
         </p:txBody>
       </p:sp>
@@ -4700,7 +4648,7 @@
         </p:nvSpPr>
         <p:spPr>
           <a:xfrm>
-            <a:off x="8333105" y="5512435"/>
+            <a:off x="6685915" y="5519014"/>
             <a:ext cx="974090" cy="368300"/>
           </a:xfrm>
           <a:prstGeom prst="rect">
@@ -4712,12 +4660,12 @@
           <a:bodyPr wrap="square" rtlCol="0">
             <a:spAutoFit/>
           </a:bodyPr>
+          <a:lstStyle/>
           <a:p>
             <a:r>
               <a:rPr lang="en-US" altLang="zh-CN"/>
               <a:t>ArceOS</a:t>
             </a:r>
-            <a:endParaRPr lang="en-US" altLang="zh-CN"/>
           </a:p>
         </p:txBody>
       </p:sp>
@@ -4738,7 +4686,14 @@
         <p:cNvGrpSpPr/>
         <p:nvPr/>
       </p:nvGrpSpPr>
-      <p:grpSpPr/>
+      <p:grpSpPr>
+        <a:xfrm>
+          <a:off x="0" y="0"/>
+          <a:ext cx="0" cy="0"/>
+          <a:chOff x="0" y="0"/>
+          <a:chExt cx="0" cy="0"/>
+        </a:xfrm>
+      </p:grpSpPr>
       <p:sp>
         <p:nvSpPr>
           <p:cNvPr id="2" name="标题 1"/>
@@ -4752,16 +4707,12 @@
         <p:spPr/>
         <p:txBody>
           <a:bodyPr/>
+          <a:lstStyle/>
           <a:p>
             <a:r>
               <a:rPr lang="zh-CN" altLang="en-US"/>
-              <a:t>我们现有的分布式</a:t>
-            </a:r>
-            <a:r>
-              <a:rPr lang="zh-CN" altLang="en-US"/>
-              <a:t>文件系统</a:t>
-            </a:r>
-            <a:endParaRPr lang="zh-CN" altLang="en-US"/>
+              <a:t>我们现有的分布式文件系统</a:t>
+            </a:r>
           </a:p>
         </p:txBody>
       </p:sp>
@@ -4778,15 +4729,86 @@
         <p:spPr/>
         <p:txBody>
           <a:bodyPr/>
-          <a:p>
-            <a:r>
-              <a:rPr lang="zh-CN" altLang="en-US"/>
+          <a:lstStyle/>
+          <a:p>
+            <a:r>
+              <a:rPr lang="zh-CN" altLang="en-US" dirty="0"/>
+              <a:t>类似</a:t>
+            </a:r>
+            <a:r>
+              <a:rPr lang="en-US" altLang="zh-CN" dirty="0"/>
+              <a:t>Docker</a:t>
+            </a:r>
+            <a:r>
+              <a:rPr lang="zh-CN" altLang="en-US" dirty="0"/>
+              <a:t>的</a:t>
+            </a:r>
+            <a:r>
+              <a:rPr lang="en-US" altLang="zh-CN" dirty="0"/>
+              <a:t>bind mount</a:t>
+            </a:r>
+          </a:p>
+          <a:p>
+            <a:pPr marL="0" indent="0">
+              <a:buNone/>
+            </a:pPr>
+            <a:endParaRPr lang="en-US" altLang="zh-CN" dirty="0"/>
+          </a:p>
+          <a:p>
+            <a:r>
+              <a:rPr lang="zh-CN" altLang="en-US" dirty="0"/>
               <a:t>演示</a:t>
             </a:r>
-            <a:endParaRPr lang="zh-CN" altLang="en-US"/>
-          </a:p>
-        </p:txBody>
-      </p:sp>
+          </a:p>
+        </p:txBody>
+      </p:sp>
+      <p:pic>
+        <p:nvPicPr>
+          <p:cNvPr id="4" name="Picture 2" descr="Bind mounts on the Docker host">
+            <a:extLst>
+              <a:ext uri="{FF2B5EF4-FFF2-40B4-BE49-F238E27FC236}">
+                <a16:creationId xmlns:a16="http://schemas.microsoft.com/office/drawing/2014/main" id="{D7A15A19-C7F1-4768-805C-77A6036C2469}"/>
+              </a:ext>
+            </a:extLst>
+          </p:cNvPr>
+          <p:cNvPicPr>
+            <a:picLocks noChangeAspect="1" noChangeArrowheads="1"/>
+          </p:cNvPicPr>
+          <p:nvPr/>
+        </p:nvPicPr>
+        <p:blipFill>
+          <a:blip r:embed="rId2">
+            <a:extLst>
+              <a:ext uri="{28A0092B-C50C-407E-A947-70E740481C1C}">
+                <a14:useLocalDpi xmlns:a14="http://schemas.microsoft.com/office/drawing/2010/main" val="0"/>
+              </a:ext>
+            </a:extLst>
+          </a:blip>
+          <a:srcRect/>
+          <a:stretch>
+            <a:fillRect/>
+          </a:stretch>
+        </p:blipFill>
+        <p:spPr bwMode="auto">
+          <a:xfrm>
+            <a:off x="6396948" y="1584008"/>
+            <a:ext cx="3816350" cy="1946186"/>
+          </a:xfrm>
+          <a:prstGeom prst="rect">
+            <a:avLst/>
+          </a:prstGeom>
+          <a:noFill/>
+          <a:extLst>
+            <a:ext uri="{909E8E84-426E-40DD-AFC4-6F175D3DCCD1}">
+              <a14:hiddenFill xmlns:a14="http://schemas.microsoft.com/office/drawing/2010/main">
+                <a:solidFill>
+                  <a:srgbClr val="FFFFFF"/>
+                </a:solidFill>
+              </a14:hiddenFill>
+            </a:ext>
+          </a:extLst>
+        </p:spPr>
+      </p:pic>
     </p:spTree>
   </p:cSld>
   <p:clrMapOvr>
@@ -4804,7 +4826,14 @@
         <p:cNvGrpSpPr/>
         <p:nvPr/>
       </p:nvGrpSpPr>
-      <p:grpSpPr/>
+      <p:grpSpPr>
+        <a:xfrm>
+          <a:off x="0" y="0"/>
+          <a:ext cx="0" cy="0"/>
+          <a:chOff x="0" y="0"/>
+          <a:chExt cx="0" cy="0"/>
+        </a:xfrm>
+      </p:grpSpPr>
       <p:sp>
         <p:nvSpPr>
           <p:cNvPr id="2" name="标题 1"/>
@@ -4818,16 +4847,12 @@
         <p:spPr/>
         <p:txBody>
           <a:bodyPr/>
+          <a:lstStyle/>
           <a:p>
             <a:r>
               <a:rPr lang="zh-CN" altLang="en-US"/>
-              <a:t>后续</a:t>
-            </a:r>
-            <a:r>
-              <a:rPr lang="zh-CN" altLang="en-US"/>
-              <a:t>可能工作</a:t>
-            </a:r>
-            <a:endParaRPr lang="zh-CN" altLang="en-US"/>
+              <a:t>后续可能工作</a:t>
+            </a:r>
           </a:p>
         </p:txBody>
       </p:sp>
@@ -4844,50 +4869,44 @@
         <p:spPr/>
         <p:txBody>
           <a:bodyPr/>
-          <a:p>
-            <a:r>
-              <a:rPr lang="zh-CN" altLang="en-US"/>
-              <a:t>完善分布式文件系统中的</a:t>
-            </a:r>
-            <a:r>
-              <a:rPr lang="zh-CN" altLang="en-US"/>
-              <a:t>文件操作</a:t>
-            </a:r>
-            <a:endParaRPr lang="zh-CN" altLang="en-US"/>
-          </a:p>
-          <a:p>
-            <a:r>
-              <a:rPr lang="zh-CN" altLang="en-US"/>
+          <a:lstStyle/>
+          <a:p>
+            <a:r>
+              <a:rPr lang="zh-CN" altLang="en-US" dirty="0"/>
+              <a:t>完善分布式文件系统中的文件操作</a:t>
+            </a:r>
+          </a:p>
+          <a:p>
+            <a:r>
+              <a:rPr lang="zh-CN" altLang="en-US" dirty="0"/>
               <a:t>让</a:t>
             </a:r>
             <a:r>
-              <a:rPr lang="en-US" altLang="zh-CN"/>
+              <a:rPr lang="en-US" altLang="zh-CN" dirty="0"/>
               <a:t>host</a:t>
             </a:r>
             <a:r>
-              <a:rPr lang="zh-CN" altLang="en-US"/>
+              <a:rPr lang="zh-CN" altLang="en-US" dirty="0"/>
               <a:t>运行在</a:t>
             </a:r>
             <a:r>
-              <a:rPr lang="en-US" altLang="zh-CN"/>
+              <a:rPr lang="en-US" altLang="zh-CN" dirty="0" err="1"/>
               <a:t>ArceOS</a:t>
             </a:r>
             <a:r>
-              <a:rPr lang="zh-CN" altLang="en-US"/>
+              <a:rPr lang="zh-CN" altLang="en-US" dirty="0"/>
               <a:t>上</a:t>
             </a:r>
-            <a:endParaRPr lang="zh-CN" altLang="en-US"/>
-          </a:p>
-          <a:p>
-            <a:r>
-              <a:rPr lang="zh-CN" altLang="en-US"/>
+          </a:p>
+          <a:p>
+            <a:r>
+              <a:rPr lang="zh-CN" altLang="en-US" dirty="0"/>
               <a:t>实现分布式</a:t>
             </a:r>
             <a:r>
-              <a:rPr lang="en-US" altLang="zh-CN"/>
+              <a:rPr lang="en-US" altLang="zh-CN" dirty="0"/>
               <a:t>host</a:t>
             </a:r>
-            <a:endParaRPr lang="en-US" altLang="zh-CN"/>
           </a:p>
         </p:txBody>
       </p:sp>
@@ -5150,6 +5169,8 @@
       </a:bgFillStyleLst>
     </a:fmtScheme>
   </a:themeElements>
+  <a:objectDefaults/>
+  <a:extraClrSchemeLst/>
   <a:extLst>
     <a:ext uri="{05A4C25C-085E-4340-85A3-A5531E510DB2}">
       <thm15:themeFamily xmlns:thm15="http://schemas.microsoft.com/office/thememl/2012/main" name="Office Theme" id="{62F939B6-93AF-4DB8-9C6B-D6C7DFDC589F}" vid="{4A3C46E8-61CC-4603-A589-7422A47A8E4A}"/>
@@ -5409,6 +5430,8 @@
       </a:bgFillStyleLst>
     </a:fmtScheme>
   </a:themeElements>
+  <a:objectDefaults/>
+  <a:extraClrSchemeLst/>
   <a:extLst>
     <a:ext uri="{05A4C25C-085E-4340-85A3-A5531E510DB2}">
       <thm15:themeFamily xmlns:thm15="http://schemas.microsoft.com/office/thememl/2012/main" name="Office Theme" id="{62F939B6-93AF-4DB8-9C6B-D6C7DFDC589F}" vid="{4A3C46E8-61CC-4603-A589-7422A47A8E4A}"/>
@@ -5668,6 +5691,8 @@
       </a:bgFillStyleLst>
     </a:fmtScheme>
   </a:themeElements>
+  <a:objectDefaults/>
+  <a:extraClrSchemeLst/>
   <a:extLst>
     <a:ext uri="{05A4C25C-085E-4340-85A3-A5531E510DB2}">
       <thm15:themeFamily xmlns:thm15="http://schemas.microsoft.com/office/thememl/2012/main" name="Office Theme" id="{62F939B6-93AF-4DB8-9C6B-D6C7DFDC589F}" vid="{4A3C46E8-61CC-4603-A589-7422A47A8E4A}"/>
